--- a/docs/sprint2Presentation.pptx
+++ b/docs/sprint2Presentation.pptx
@@ -12,8 +12,9 @@
     <p:sldId id="266" r:id="rId6"/>
     <p:sldId id="267" r:id="rId7"/>
     <p:sldId id="262" r:id="rId8"/>
-    <p:sldId id="264" r:id="rId9"/>
-    <p:sldId id="263" r:id="rId10"/>
+    <p:sldId id="269" r:id="rId9"/>
+    <p:sldId id="270" r:id="rId10"/>
+    <p:sldId id="263" r:id="rId11"/>
   </p:sldIdLst>
   <p:sldSz cx="12192000" cy="6858000"/>
   <p:notesSz cx="6858000" cy="9144000"/>
@@ -267,7 +268,7 @@
           <a:p>
             <a:fld id="{1FFBDEF7-6A33-4033-91F9-9A847E381311}" type="datetimeFigureOut">
               <a:rPr lang="en-US" smtClean="0"/>
-              <a:t>4/3/2020</a:t>
+              <a:t>4/4/2020</a:t>
             </a:fld>
             <a:endParaRPr lang="en-US"/>
           </a:p>
@@ -465,7 +466,7 @@
           <a:p>
             <a:fld id="{1FFBDEF7-6A33-4033-91F9-9A847E381311}" type="datetimeFigureOut">
               <a:rPr lang="en-US" smtClean="0"/>
-              <a:t>4/3/2020</a:t>
+              <a:t>4/4/2020</a:t>
             </a:fld>
             <a:endParaRPr lang="en-US"/>
           </a:p>
@@ -673,7 +674,7 @@
           <a:p>
             <a:fld id="{1FFBDEF7-6A33-4033-91F9-9A847E381311}" type="datetimeFigureOut">
               <a:rPr lang="en-US" smtClean="0"/>
-              <a:t>4/3/2020</a:t>
+              <a:t>4/4/2020</a:t>
             </a:fld>
             <a:endParaRPr lang="en-US"/>
           </a:p>
@@ -871,7 +872,7 @@
           <a:p>
             <a:fld id="{1FFBDEF7-6A33-4033-91F9-9A847E381311}" type="datetimeFigureOut">
               <a:rPr lang="en-US" smtClean="0"/>
-              <a:t>4/3/2020</a:t>
+              <a:t>4/4/2020</a:t>
             </a:fld>
             <a:endParaRPr lang="en-US"/>
           </a:p>
@@ -1146,7 +1147,7 @@
           <a:p>
             <a:fld id="{1FFBDEF7-6A33-4033-91F9-9A847E381311}" type="datetimeFigureOut">
               <a:rPr lang="en-US" smtClean="0"/>
-              <a:t>4/3/2020</a:t>
+              <a:t>4/4/2020</a:t>
             </a:fld>
             <a:endParaRPr lang="en-US"/>
           </a:p>
@@ -1411,7 +1412,7 @@
           <a:p>
             <a:fld id="{1FFBDEF7-6A33-4033-91F9-9A847E381311}" type="datetimeFigureOut">
               <a:rPr lang="en-US" smtClean="0"/>
-              <a:t>4/3/2020</a:t>
+              <a:t>4/4/2020</a:t>
             </a:fld>
             <a:endParaRPr lang="en-US"/>
           </a:p>
@@ -1823,7 +1824,7 @@
           <a:p>
             <a:fld id="{1FFBDEF7-6A33-4033-91F9-9A847E381311}" type="datetimeFigureOut">
               <a:rPr lang="en-US" smtClean="0"/>
-              <a:t>4/3/2020</a:t>
+              <a:t>4/4/2020</a:t>
             </a:fld>
             <a:endParaRPr lang="en-US"/>
           </a:p>
@@ -1964,7 +1965,7 @@
           <a:p>
             <a:fld id="{1FFBDEF7-6A33-4033-91F9-9A847E381311}" type="datetimeFigureOut">
               <a:rPr lang="en-US" smtClean="0"/>
-              <a:t>4/3/2020</a:t>
+              <a:t>4/4/2020</a:t>
             </a:fld>
             <a:endParaRPr lang="en-US"/>
           </a:p>
@@ -2077,7 +2078,7 @@
           <a:p>
             <a:fld id="{1FFBDEF7-6A33-4033-91F9-9A847E381311}" type="datetimeFigureOut">
               <a:rPr lang="en-US" smtClean="0"/>
-              <a:t>4/3/2020</a:t>
+              <a:t>4/4/2020</a:t>
             </a:fld>
             <a:endParaRPr lang="en-US"/>
           </a:p>
@@ -2388,7 +2389,7 @@
           <a:p>
             <a:fld id="{1FFBDEF7-6A33-4033-91F9-9A847E381311}" type="datetimeFigureOut">
               <a:rPr lang="en-US" smtClean="0"/>
-              <a:t>4/3/2020</a:t>
+              <a:t>4/4/2020</a:t>
             </a:fld>
             <a:endParaRPr lang="en-US"/>
           </a:p>
@@ -2676,7 +2677,7 @@
           <a:p>
             <a:fld id="{1FFBDEF7-6A33-4033-91F9-9A847E381311}" type="datetimeFigureOut">
               <a:rPr lang="en-US" smtClean="0"/>
-              <a:t>4/3/2020</a:t>
+              <a:t>4/4/2020</a:t>
             </a:fld>
             <a:endParaRPr lang="en-US"/>
           </a:p>
@@ -2917,7 +2918,7 @@
           <a:p>
             <a:fld id="{1FFBDEF7-6A33-4033-91F9-9A847E381311}" type="datetimeFigureOut">
               <a:rPr lang="en-US" smtClean="0"/>
-              <a:t>4/3/2020</a:t>
+              <a:t>4/4/2020</a:t>
             </a:fld>
             <a:endParaRPr lang="en-US"/>
           </a:p>
@@ -3429,6 +3430,128 @@
 </p:sld>
 </file>
 
+<file path=ppt/slides/slide10.xml><?xml version="1.0" encoding="utf-8"?>
+<p:sld xmlns:a="http://schemas.openxmlformats.org/drawingml/2006/main" xmlns:r="http://schemas.openxmlformats.org/officeDocument/2006/relationships" xmlns:p="http://schemas.openxmlformats.org/presentationml/2006/main">
+  <p:cSld>
+    <p:spTree>
+      <p:nvGrpSpPr>
+        <p:cNvPr id="1" name=""/>
+        <p:cNvGrpSpPr/>
+        <p:nvPr/>
+      </p:nvGrpSpPr>
+      <p:grpSpPr>
+        <a:xfrm>
+          <a:off x="0" y="0"/>
+          <a:ext cx="0" cy="0"/>
+          <a:chOff x="0" y="0"/>
+          <a:chExt cx="0" cy="0"/>
+        </a:xfrm>
+      </p:grpSpPr>
+      <p:sp>
+        <p:nvSpPr>
+          <p:cNvPr id="2" name="Title 1">
+            <a:extLst>
+              <a:ext uri="{FF2B5EF4-FFF2-40B4-BE49-F238E27FC236}">
+                <a16:creationId xmlns:a16="http://schemas.microsoft.com/office/drawing/2014/main" id="{00D7B7DD-6726-4E97-B33C-2FF9A3F83A2F}"/>
+              </a:ext>
+            </a:extLst>
+          </p:cNvPr>
+          <p:cNvSpPr>
+            <a:spLocks noGrp="1"/>
+          </p:cNvSpPr>
+          <p:nvPr>
+            <p:ph type="title"/>
+          </p:nvPr>
+        </p:nvSpPr>
+        <p:spPr/>
+        <p:txBody>
+          <a:bodyPr/>
+          <a:lstStyle/>
+          <a:p>
+            <a:r>
+              <a:rPr lang="en-US" dirty="0"/>
+              <a:t>Career Finder Demo</a:t>
+            </a:r>
+          </a:p>
+        </p:txBody>
+      </p:sp>
+      <p:sp>
+        <p:nvSpPr>
+          <p:cNvPr id="3" name="Content Placeholder 2">
+            <a:extLst>
+              <a:ext uri="{FF2B5EF4-FFF2-40B4-BE49-F238E27FC236}">
+                <a16:creationId xmlns:a16="http://schemas.microsoft.com/office/drawing/2014/main" id="{0C77D4AA-5DDD-454E-8C53-889124C88CCE}"/>
+              </a:ext>
+            </a:extLst>
+          </p:cNvPr>
+          <p:cNvSpPr>
+            <a:spLocks noGrp="1"/>
+          </p:cNvSpPr>
+          <p:nvPr>
+            <p:ph idx="1"/>
+          </p:nvPr>
+        </p:nvSpPr>
+        <p:spPr/>
+        <p:txBody>
+          <a:bodyPr/>
+          <a:lstStyle/>
+          <a:p>
+            <a:r>
+              <a:rPr lang="en-US" dirty="0">
+                <a:hlinkClick r:id="rId2"/>
+              </a:rPr>
+              <a:t>https://nameless-gorge-50235.herokuapp.com/</a:t>
+            </a:r>
+            <a:endParaRPr lang="en-US" dirty="0"/>
+          </a:p>
+          <a:p>
+            <a:endParaRPr lang="en-US" dirty="0"/>
+          </a:p>
+          <a:p>
+            <a:r>
+              <a:rPr lang="en-US" dirty="0"/>
+              <a:t>Admin credentials: team6Admin, team6</a:t>
+            </a:r>
+          </a:p>
+          <a:p>
+            <a:r>
+              <a:rPr lang="en-US" dirty="0"/>
+              <a:t>Student credentials: team6Student, team6</a:t>
+            </a:r>
+          </a:p>
+          <a:p>
+            <a:endParaRPr lang="en-US" dirty="0"/>
+          </a:p>
+          <a:p>
+            <a:r>
+              <a:rPr lang="en-US" dirty="0"/>
+              <a:t>Demonstration of current functionality.</a:t>
+            </a:r>
+          </a:p>
+          <a:p>
+            <a:endParaRPr lang="en-US" dirty="0"/>
+          </a:p>
+          <a:p>
+            <a:r>
+              <a:rPr lang="en-US" dirty="0"/>
+              <a:t>Questions?</a:t>
+            </a:r>
+          </a:p>
+        </p:txBody>
+      </p:sp>
+    </p:spTree>
+    <p:extLst>
+      <p:ext uri="{BB962C8B-B14F-4D97-AF65-F5344CB8AC3E}">
+        <p14:creationId xmlns:p14="http://schemas.microsoft.com/office/powerpoint/2010/main" val="1310432167"/>
+      </p:ext>
+    </p:extLst>
+  </p:cSld>
+  <p:clrMapOvr>
+    <a:masterClrMapping/>
+  </p:clrMapOvr>
+</p:sld>
+</file>
+
 <file path=ppt/slides/slide2.xml><?xml version="1.0" encoding="utf-8"?>
 <p:sld xmlns:a="http://schemas.openxmlformats.org/drawingml/2006/main" xmlns:r="http://schemas.openxmlformats.org/officeDocument/2006/relationships" xmlns:p="http://schemas.openxmlformats.org/presentationml/2006/main">
   <p:cSld>
@@ -3816,19 +3939,27 @@
           <a:p>
             <a:r>
               <a:rPr lang="en-US" dirty="0"/>
-              <a:t>Material UI – Front End</a:t>
-            </a:r>
-          </a:p>
-          <a:p>
-            <a:r>
-              <a:rPr lang="en-US" dirty="0"/>
-              <a:t>Local Storage – Browser Caching</a:t>
-            </a:r>
-          </a:p>
-          <a:p>
-            <a:r>
-              <a:rPr lang="en-US" dirty="0"/>
-              <a:t>Material Table – Edit Content Modal Windows</a:t>
+              <a:t>Material-UI – Front End</a:t>
+            </a:r>
+          </a:p>
+          <a:p>
+            <a:r>
+              <a:rPr lang="en-US" dirty="0"/>
+              <a:t>node-</a:t>
+            </a:r>
+            <a:r>
+              <a:rPr lang="en-US" dirty="0" err="1"/>
+              <a:t>localstorage</a:t>
+            </a:r>
+            <a:r>
+              <a:rPr lang="en-US" dirty="0"/>
+              <a:t> – Browser Caching</a:t>
+            </a:r>
+          </a:p>
+          <a:p>
+            <a:r>
+              <a:rPr lang="en-US" dirty="0"/>
+              <a:t>material-table – Edit Content Modal Windows/ Pages</a:t>
             </a:r>
           </a:p>
           <a:p>
@@ -4066,12 +4197,8 @@
           </a:p>
           <a:p>
             <a:r>
-              <a:rPr lang="en-US" dirty="0" err="1"/>
-              <a:t>Carrer</a:t>
-            </a:r>
-            <a:r>
-              <a:rPr lang="en-US" dirty="0"/>
-              <a:t> Cluster Main page (admin)</a:t>
+              <a:rPr lang="en-US" dirty="0"/>
+              <a:t>Career Cluster Main page (admin)</a:t>
             </a:r>
           </a:p>
           <a:p>
@@ -4184,7 +4311,7 @@
             </a:pPr>
             <a:r>
               <a:rPr lang="en-US" dirty="0"/>
-              <a:t>CEN3031-Online Bootcamps and associated materials</a:t>
+              <a:t>CEN3031-Online Bootcamps and associated materials/ documentation</a:t>
             </a:r>
           </a:p>
         </p:txBody>
@@ -4219,381 +4346,122 @@
           <a:chExt cx="0" cy="0"/>
         </a:xfrm>
       </p:grpSpPr>
-      <p:graphicFrame>
-        <p:nvGraphicFramePr>
-          <p:cNvPr id="7" name="Table 7">
-            <a:extLst>
-              <a:ext uri="{FF2B5EF4-FFF2-40B4-BE49-F238E27FC236}">
-                <a16:creationId xmlns:a16="http://schemas.microsoft.com/office/drawing/2014/main" id="{680B2783-BFE9-4E5D-9BA6-7D3303823712}"/>
-              </a:ext>
-            </a:extLst>
-          </p:cNvPr>
-          <p:cNvGraphicFramePr>
-            <a:graphicFrameLocks noGrp="1"/>
-          </p:cNvGraphicFramePr>
-          <p:nvPr>
-            <p:extLst>
-              <p:ext uri="{D42A27DB-BD31-4B8C-83A1-F6EECF244321}">
-                <p14:modId xmlns:p14="http://schemas.microsoft.com/office/powerpoint/2010/main" val="1084846916"/>
-              </p:ext>
-            </p:extLst>
-          </p:nvPr>
-        </p:nvGraphicFramePr>
-        <p:xfrm>
-          <a:off x="2032000" y="719666"/>
-          <a:ext cx="8127999" cy="2966720"/>
-        </p:xfrm>
-        <a:graphic>
-          <a:graphicData uri="http://schemas.openxmlformats.org/drawingml/2006/table">
-            <a:tbl>
-              <a:tblPr firstRow="1" bandRow="1">
-                <a:tableStyleId>{5C22544A-7EE6-4342-B048-85BDC9FD1C3A}</a:tableStyleId>
-              </a:tblPr>
-              <a:tblGrid>
-                <a:gridCol w="2709333">
-                  <a:extLst>
-                    <a:ext uri="{9D8B030D-6E8A-4147-A177-3AD203B41FA5}">
-                      <a16:colId xmlns:a16="http://schemas.microsoft.com/office/drawing/2014/main" val="2982637489"/>
-                    </a:ext>
-                  </a:extLst>
-                </a:gridCol>
-                <a:gridCol w="2709333">
-                  <a:extLst>
-                    <a:ext uri="{9D8B030D-6E8A-4147-A177-3AD203B41FA5}">
-                      <a16:colId xmlns:a16="http://schemas.microsoft.com/office/drawing/2014/main" val="3858754257"/>
-                    </a:ext>
-                  </a:extLst>
-                </a:gridCol>
-                <a:gridCol w="2709333">
-                  <a:extLst>
-                    <a:ext uri="{9D8B030D-6E8A-4147-A177-3AD203B41FA5}">
-                      <a16:colId xmlns:a16="http://schemas.microsoft.com/office/drawing/2014/main" val="4274748856"/>
-                    </a:ext>
-                  </a:extLst>
-                </a:gridCol>
-              </a:tblGrid>
-              <a:tr h="370840">
-                <a:tc>
-                  <a:txBody>
-                    <a:bodyPr/>
-                    <a:lstStyle/>
-                    <a:p>
-                      <a:r>
-                        <a:rPr lang="en-US" dirty="0"/>
-                        <a:t>Finished</a:t>
-                      </a:r>
-                    </a:p>
-                  </a:txBody>
-                  <a:tcPr/>
-                </a:tc>
-                <a:tc>
-                  <a:txBody>
-                    <a:bodyPr/>
-                    <a:lstStyle/>
-                    <a:p>
-                      <a:r>
-                        <a:rPr lang="en-US" dirty="0"/>
-                        <a:t>In Progress</a:t>
-                      </a:r>
-                    </a:p>
-                  </a:txBody>
-                  <a:tcPr/>
-                </a:tc>
-                <a:tc>
-                  <a:txBody>
-                    <a:bodyPr/>
-                    <a:lstStyle/>
-                    <a:p>
-                      <a:endParaRPr lang="en-US"/>
-                    </a:p>
-                  </a:txBody>
-                  <a:tcPr/>
-                </a:tc>
-                <a:extLst>
-                  <a:ext uri="{0D108BD9-81ED-4DB2-BD59-A6C34878D82A}">
-                    <a16:rowId xmlns:a16="http://schemas.microsoft.com/office/drawing/2014/main" val="2380163535"/>
-                  </a:ext>
-                </a:extLst>
-              </a:tr>
-              <a:tr h="370840">
-                <a:tc>
-                  <a:txBody>
-                    <a:bodyPr/>
-                    <a:lstStyle/>
-                    <a:p>
-                      <a:r>
-                        <a:rPr lang="en-US" dirty="0"/>
-                        <a:t>CF01</a:t>
-                      </a:r>
-                    </a:p>
-                  </a:txBody>
-                  <a:tcPr/>
-                </a:tc>
-                <a:tc>
-                  <a:txBody>
-                    <a:bodyPr/>
-                    <a:lstStyle/>
-                    <a:p>
-                      <a:r>
-                        <a:rPr lang="en-US" dirty="0"/>
-                        <a:t>CF02</a:t>
-                      </a:r>
-                    </a:p>
-                  </a:txBody>
-                  <a:tcPr/>
-                </a:tc>
-                <a:tc>
-                  <a:txBody>
-                    <a:bodyPr/>
-                    <a:lstStyle/>
-                    <a:p>
-                      <a:endParaRPr lang="en-US"/>
-                    </a:p>
-                  </a:txBody>
-                  <a:tcPr/>
-                </a:tc>
-                <a:extLst>
-                  <a:ext uri="{0D108BD9-81ED-4DB2-BD59-A6C34878D82A}">
-                    <a16:rowId xmlns:a16="http://schemas.microsoft.com/office/drawing/2014/main" val="978108847"/>
-                  </a:ext>
-                </a:extLst>
-              </a:tr>
-              <a:tr h="370840">
-                <a:tc>
-                  <a:txBody>
-                    <a:bodyPr/>
-                    <a:lstStyle/>
-                    <a:p>
-                      <a:r>
-                        <a:rPr lang="en-US" dirty="0"/>
-                        <a:t>CF14</a:t>
-                      </a:r>
-                    </a:p>
-                  </a:txBody>
-                  <a:tcPr/>
-                </a:tc>
-                <a:tc>
-                  <a:txBody>
-                    <a:bodyPr/>
-                    <a:lstStyle/>
-                    <a:p>
-                      <a:r>
-                        <a:rPr lang="en-US"/>
-                        <a:t>CF</a:t>
-                      </a:r>
-                    </a:p>
-                  </a:txBody>
-                  <a:tcPr/>
-                </a:tc>
-                <a:tc>
-                  <a:txBody>
-                    <a:bodyPr/>
-                    <a:lstStyle/>
-                    <a:p>
-                      <a:endParaRPr lang="en-US"/>
-                    </a:p>
-                  </a:txBody>
-                  <a:tcPr/>
-                </a:tc>
-                <a:extLst>
-                  <a:ext uri="{0D108BD9-81ED-4DB2-BD59-A6C34878D82A}">
-                    <a16:rowId xmlns:a16="http://schemas.microsoft.com/office/drawing/2014/main" val="507628760"/>
-                  </a:ext>
-                </a:extLst>
-              </a:tr>
-              <a:tr h="370840">
-                <a:tc>
-                  <a:txBody>
-                    <a:bodyPr/>
-                    <a:lstStyle/>
-                    <a:p>
-                      <a:endParaRPr lang="en-US"/>
-                    </a:p>
-                  </a:txBody>
-                  <a:tcPr/>
-                </a:tc>
-                <a:tc>
-                  <a:txBody>
-                    <a:bodyPr/>
-                    <a:lstStyle/>
-                    <a:p>
-                      <a:endParaRPr lang="en-US"/>
-                    </a:p>
-                  </a:txBody>
-                  <a:tcPr/>
-                </a:tc>
-                <a:tc>
-                  <a:txBody>
-                    <a:bodyPr/>
-                    <a:lstStyle/>
-                    <a:p>
-                      <a:endParaRPr lang="en-US"/>
-                    </a:p>
-                  </a:txBody>
-                  <a:tcPr/>
-                </a:tc>
-                <a:extLst>
-                  <a:ext uri="{0D108BD9-81ED-4DB2-BD59-A6C34878D82A}">
-                    <a16:rowId xmlns:a16="http://schemas.microsoft.com/office/drawing/2014/main" val="1560902248"/>
-                  </a:ext>
-                </a:extLst>
-              </a:tr>
-              <a:tr h="370840">
-                <a:tc>
-                  <a:txBody>
-                    <a:bodyPr/>
-                    <a:lstStyle/>
-                    <a:p>
-                      <a:endParaRPr lang="en-US"/>
-                    </a:p>
-                  </a:txBody>
-                  <a:tcPr/>
-                </a:tc>
-                <a:tc>
-                  <a:txBody>
-                    <a:bodyPr/>
-                    <a:lstStyle/>
-                    <a:p>
-                      <a:endParaRPr lang="en-US"/>
-                    </a:p>
-                  </a:txBody>
-                  <a:tcPr/>
-                </a:tc>
-                <a:tc>
-                  <a:txBody>
-                    <a:bodyPr/>
-                    <a:lstStyle/>
-                    <a:p>
-                      <a:endParaRPr lang="en-US"/>
-                    </a:p>
-                  </a:txBody>
-                  <a:tcPr/>
-                </a:tc>
-                <a:extLst>
-                  <a:ext uri="{0D108BD9-81ED-4DB2-BD59-A6C34878D82A}">
-                    <a16:rowId xmlns:a16="http://schemas.microsoft.com/office/drawing/2014/main" val="3071571943"/>
-                  </a:ext>
-                </a:extLst>
-              </a:tr>
-              <a:tr h="370840">
-                <a:tc>
-                  <a:txBody>
-                    <a:bodyPr/>
-                    <a:lstStyle/>
-                    <a:p>
-                      <a:endParaRPr lang="en-US"/>
-                    </a:p>
-                  </a:txBody>
-                  <a:tcPr/>
-                </a:tc>
-                <a:tc>
-                  <a:txBody>
-                    <a:bodyPr/>
-                    <a:lstStyle/>
-                    <a:p>
-                      <a:endParaRPr lang="en-US"/>
-                    </a:p>
-                  </a:txBody>
-                  <a:tcPr/>
-                </a:tc>
-                <a:tc>
-                  <a:txBody>
-                    <a:bodyPr/>
-                    <a:lstStyle/>
-                    <a:p>
-                      <a:endParaRPr lang="en-US"/>
-                    </a:p>
-                  </a:txBody>
-                  <a:tcPr/>
-                </a:tc>
-                <a:extLst>
-                  <a:ext uri="{0D108BD9-81ED-4DB2-BD59-A6C34878D82A}">
-                    <a16:rowId xmlns:a16="http://schemas.microsoft.com/office/drawing/2014/main" val="169949576"/>
-                  </a:ext>
-                </a:extLst>
-              </a:tr>
-              <a:tr h="370840">
-                <a:tc>
-                  <a:txBody>
-                    <a:bodyPr/>
-                    <a:lstStyle/>
-                    <a:p>
-                      <a:endParaRPr lang="en-US"/>
-                    </a:p>
-                  </a:txBody>
-                  <a:tcPr/>
-                </a:tc>
-                <a:tc>
-                  <a:txBody>
-                    <a:bodyPr/>
-                    <a:lstStyle/>
-                    <a:p>
-                      <a:endParaRPr lang="en-US"/>
-                    </a:p>
-                  </a:txBody>
-                  <a:tcPr/>
-                </a:tc>
-                <a:tc>
-                  <a:txBody>
-                    <a:bodyPr/>
-                    <a:lstStyle/>
-                    <a:p>
-                      <a:endParaRPr lang="en-US"/>
-                    </a:p>
-                  </a:txBody>
-                  <a:tcPr/>
-                </a:tc>
-                <a:extLst>
-                  <a:ext uri="{0D108BD9-81ED-4DB2-BD59-A6C34878D82A}">
-                    <a16:rowId xmlns:a16="http://schemas.microsoft.com/office/drawing/2014/main" val="772286536"/>
-                  </a:ext>
-                </a:extLst>
-              </a:tr>
-              <a:tr h="370840">
-                <a:tc>
-                  <a:txBody>
-                    <a:bodyPr/>
-                    <a:lstStyle/>
-                    <a:p>
-                      <a:endParaRPr lang="en-US"/>
-                    </a:p>
-                  </a:txBody>
-                  <a:tcPr/>
-                </a:tc>
-                <a:tc>
-                  <a:txBody>
-                    <a:bodyPr/>
-                    <a:lstStyle/>
-                    <a:p>
-                      <a:endParaRPr lang="en-US"/>
-                    </a:p>
-                  </a:txBody>
-                  <a:tcPr/>
-                </a:tc>
-                <a:tc>
-                  <a:txBody>
-                    <a:bodyPr/>
-                    <a:lstStyle/>
-                    <a:p>
-                      <a:endParaRPr lang="en-US" dirty="0"/>
-                    </a:p>
-                  </a:txBody>
-                  <a:tcPr/>
-                </a:tc>
-                <a:extLst>
-                  <a:ext uri="{0D108BD9-81ED-4DB2-BD59-A6C34878D82A}">
-                    <a16:rowId xmlns:a16="http://schemas.microsoft.com/office/drawing/2014/main" val="3542250343"/>
-                  </a:ext>
-                </a:extLst>
-              </a:tr>
-            </a:tbl>
-          </a:graphicData>
-        </a:graphic>
-      </p:graphicFrame>
+      <p:sp>
+        <p:nvSpPr>
+          <p:cNvPr id="2" name="Title 1">
+            <a:extLst>
+              <a:ext uri="{FF2B5EF4-FFF2-40B4-BE49-F238E27FC236}">
+                <a16:creationId xmlns:a16="http://schemas.microsoft.com/office/drawing/2014/main" id="{934206ED-0C20-4D91-A5EF-BDCCA97927D2}"/>
+              </a:ext>
+            </a:extLst>
+          </p:cNvPr>
+          <p:cNvSpPr>
+            <a:spLocks noGrp="1"/>
+          </p:cNvSpPr>
+          <p:nvPr>
+            <p:ph type="title"/>
+          </p:nvPr>
+        </p:nvSpPr>
+        <p:spPr/>
+        <p:txBody>
+          <a:bodyPr/>
+          <a:lstStyle/>
+          <a:p>
+            <a:r>
+              <a:rPr lang="en-US" dirty="0"/>
+              <a:t>Status</a:t>
+            </a:r>
+          </a:p>
+        </p:txBody>
+      </p:sp>
+      <p:sp>
+        <p:nvSpPr>
+          <p:cNvPr id="3" name="Content Placeholder 2">
+            <a:extLst>
+              <a:ext uri="{FF2B5EF4-FFF2-40B4-BE49-F238E27FC236}">
+                <a16:creationId xmlns:a16="http://schemas.microsoft.com/office/drawing/2014/main" id="{F42FC33F-68CE-41A0-82BD-C16BD577C76D}"/>
+              </a:ext>
+            </a:extLst>
+          </p:cNvPr>
+          <p:cNvSpPr>
+            <a:spLocks noGrp="1"/>
+          </p:cNvSpPr>
+          <p:nvPr>
+            <p:ph idx="1"/>
+          </p:nvPr>
+        </p:nvSpPr>
+        <p:spPr/>
+        <p:txBody>
+          <a:bodyPr/>
+          <a:lstStyle/>
+          <a:p>
+            <a:r>
+              <a:rPr lang="en-US" dirty="0"/>
+              <a:t>High Priority Features</a:t>
+            </a:r>
+          </a:p>
+          <a:p>
+            <a:pPr lvl="1"/>
+            <a:r>
+              <a:rPr lang="en-US" dirty="0"/>
+              <a:t>Complete</a:t>
+            </a:r>
+          </a:p>
+          <a:p>
+            <a:pPr lvl="2"/>
+            <a:r>
+              <a:rPr lang="en-US" dirty="0"/>
+              <a:t>Career Cluster Admin page - CF01</a:t>
+            </a:r>
+          </a:p>
+          <a:p>
+            <a:pPr lvl="2"/>
+            <a:r>
+              <a:rPr lang="en-US" dirty="0"/>
+              <a:t>Login page - CF14</a:t>
+            </a:r>
+          </a:p>
+          <a:p>
+            <a:pPr lvl="2"/>
+            <a:r>
+              <a:rPr lang="en-US" dirty="0"/>
+              <a:t>Celebrity Profile page – CF09</a:t>
+            </a:r>
+          </a:p>
+          <a:p>
+            <a:pPr lvl="1"/>
+            <a:r>
+              <a:rPr lang="en-US" dirty="0"/>
+              <a:t>In Progress</a:t>
+            </a:r>
+          </a:p>
+          <a:p>
+            <a:pPr lvl="2"/>
+            <a:r>
+              <a:rPr lang="en-US" dirty="0"/>
+              <a:t>Remaining Content Admin pages - CF02, CF03, CF04, CF05</a:t>
+            </a:r>
+          </a:p>
+          <a:p>
+            <a:pPr lvl="2"/>
+            <a:r>
+              <a:rPr lang="en-US" dirty="0"/>
+              <a:t>Content Student pages - CF06, CF07, CF08, CF09</a:t>
+            </a:r>
+          </a:p>
+          <a:p>
+            <a:pPr lvl="2"/>
+            <a:r>
+              <a:rPr lang="en-US" dirty="0"/>
+              <a:t>Remaining Multi-user system features - CF10, CF11, CF12</a:t>
+            </a:r>
+          </a:p>
+        </p:txBody>
+      </p:sp>
     </p:spTree>
     <p:extLst>
       <p:ext uri="{BB962C8B-B14F-4D97-AF65-F5344CB8AC3E}">
-        <p14:creationId xmlns:p14="http://schemas.microsoft.com/office/powerpoint/2010/main" val="2242363775"/>
+        <p14:creationId xmlns:p14="http://schemas.microsoft.com/office/powerpoint/2010/main" val="2580797036"/>
       </p:ext>
     </p:extLst>
   </p:cSld>
@@ -4625,7 +4493,7 @@
           <p:cNvPr id="2" name="Title 1">
             <a:extLst>
               <a:ext uri="{FF2B5EF4-FFF2-40B4-BE49-F238E27FC236}">
-                <a16:creationId xmlns:a16="http://schemas.microsoft.com/office/drawing/2014/main" id="{00D7B7DD-6726-4E97-B33C-2FF9A3F83A2F}"/>
+                <a16:creationId xmlns:a16="http://schemas.microsoft.com/office/drawing/2014/main" id="{1E7DC854-CA57-4F4D-817F-FD3F26FD8116}"/>
               </a:ext>
             </a:extLst>
           </p:cNvPr>
@@ -4643,7 +4511,7 @@
           <a:p>
             <a:r>
               <a:rPr lang="en-US" dirty="0"/>
-              <a:t>Career Finder Demo</a:t>
+              <a:t>Status</a:t>
             </a:r>
           </a:p>
         </p:txBody>
@@ -4653,7 +4521,7 @@
           <p:cNvPr id="3" name="Content Placeholder 2">
             <a:extLst>
               <a:ext uri="{FF2B5EF4-FFF2-40B4-BE49-F238E27FC236}">
-                <a16:creationId xmlns:a16="http://schemas.microsoft.com/office/drawing/2014/main" id="{0C77D4AA-5DDD-454E-8C53-889124C88CCE}"/>
+                <a16:creationId xmlns:a16="http://schemas.microsoft.com/office/drawing/2014/main" id="{9938D12B-AD80-48BB-9B37-7F3B600B1195}"/>
               </a:ext>
             </a:extLst>
           </p:cNvPr>
@@ -4670,44 +4538,22 @@
           <a:lstStyle/>
           <a:p>
             <a:r>
-              <a:rPr lang="en-US" dirty="0">
-                <a:hlinkClick r:id="rId2"/>
-              </a:rPr>
-              <a:t>https://nameless-gorge-50235.herokuapp.com/</a:t>
-            </a:r>
-            <a:endParaRPr lang="en-US" dirty="0"/>
-          </a:p>
-          <a:p>
-            <a:endParaRPr lang="en-US" dirty="0"/>
-          </a:p>
-          <a:p>
-            <a:r>
-              <a:rPr lang="en-US" dirty="0"/>
-              <a:t>Admin credentials: team6Admin, team6</a:t>
-            </a:r>
-          </a:p>
-          <a:p>
-            <a:r>
-              <a:rPr lang="en-US" dirty="0"/>
-              <a:t>Student credentials: team6Student, team6</a:t>
-            </a:r>
-          </a:p>
-          <a:p>
-            <a:endParaRPr lang="en-US" dirty="0"/>
-          </a:p>
-          <a:p>
-            <a:r>
-              <a:rPr lang="en-US" dirty="0"/>
-              <a:t>Demonstration of current functionality.</a:t>
-            </a:r>
-          </a:p>
-          <a:p>
-            <a:endParaRPr lang="en-US" dirty="0"/>
-          </a:p>
-          <a:p>
-            <a:r>
-              <a:rPr lang="en-US" dirty="0"/>
-              <a:t>Questions?</a:t>
+              <a:rPr lang="en-US" dirty="0"/>
+              <a:t>Lower Priority Features</a:t>
+            </a:r>
+          </a:p>
+          <a:p>
+            <a:pPr lvl="1"/>
+            <a:r>
+              <a:rPr lang="en-US" dirty="0"/>
+              <a:t>Chat Bot and Cluster Recommendation Functionality - CF15 to CF22</a:t>
+            </a:r>
+          </a:p>
+          <a:p>
+            <a:pPr lvl="1"/>
+            <a:r>
+              <a:rPr lang="en-US" dirty="0"/>
+              <a:t>Reward System – CF23 to CF28</a:t>
             </a:r>
           </a:p>
         </p:txBody>
@@ -4715,7 +4561,7 @@
     </p:spTree>
     <p:extLst>
       <p:ext uri="{BB962C8B-B14F-4D97-AF65-F5344CB8AC3E}">
-        <p14:creationId xmlns:p14="http://schemas.microsoft.com/office/powerpoint/2010/main" val="1310432167"/>
+        <p14:creationId xmlns:p14="http://schemas.microsoft.com/office/powerpoint/2010/main" val="3736391947"/>
       </p:ext>
     </p:extLst>
   </p:cSld>
